--- a/EZI/Lab4/BalanceFlowProblem.pptx
+++ b/EZI/Lab4/BalanceFlowProblem.pptx
@@ -194,7 +194,8 @@
           <a:p>
             <a:fld id="{A2FA7477-DACF-442A-9880-7A6A85480BD1}" type="datetimeFigureOut">
               <a:rPr lang="en-GB" smtClean="0"/>
-              <a:t>07/11/2011</a:t>
+              <a:pPr/>
+              <a:t>08/11/2011</a:t>
             </a:fld>
             <a:endParaRPr lang="en-GB"/>
           </a:p>
@@ -355,6 +356,7 @@
           <a:p>
             <a:fld id="{143FC6F3-1A50-4618-A6F0-3D7E6C33A6A2}" type="slidenum">
               <a:rPr lang="en-GB" smtClean="0"/>
+              <a:pPr/>
               <a:t>‹#›</a:t>
             </a:fld>
             <a:endParaRPr lang="en-GB"/>
@@ -599,6 +601,7 @@
           <a:p>
             <a:fld id="{143FC6F3-1A50-4618-A6F0-3D7E6C33A6A2}" type="slidenum">
               <a:rPr lang="en-GB" smtClean="0"/>
+              <a:pPr/>
               <a:t>1</a:t>
             </a:fld>
             <a:endParaRPr lang="en-GB"/>
@@ -716,7 +719,51 @@
           <a:p>
             <a:r>
               <a:rPr lang="pl-PL" baseline="0" dirty="0" smtClean="0"/>
-              <a:t>Ponadto jeśli ustalimy wartość przepływu na 6, to jedyny przypadek, dla którego sieć będzie nasycona (nie będzie można już puścić żadnej jednostki) posiada koszt równy 27 (zajmujemy trzy łuki z R2 do X oraz trzy łuki z R3 do Y). Z kolei dla przepływu o wartości 8 najmniejszy koszt wynosi 16 (dwa łuki z R1 do X, jeden łuk z R2 do X, dwa łuki z R2 do Y, jeden łuk z R3 do Y, dwa łuki z R3 do Z). Przepływ o wartości 9 posiada najmniejszy koszt równy 27 (istnieje tylko jeden taki przepływ – trzy łuki z R1 do X, trzy łuki z R2 do Y, trzy łyki z R3 do Z).</a:t>
+              <a:t>Ponadto jeśli ustalimy wartość przepływu na 6, </a:t>
+            </a:r>
+            <a:r>
+              <a:rPr lang="pl-PL" baseline="0" dirty="0" smtClean="0"/>
+              <a:t>to minimalny koszt </a:t>
+            </a:r>
+            <a:r>
+              <a:rPr lang="pl-PL" baseline="0" dirty="0" smtClean="0"/>
+              <a:t>dla którego sieć będzie nasycona (nie będzie można już puścić żadnej jednostki) </a:t>
+            </a:r>
+            <a:r>
+              <a:rPr lang="pl-PL" baseline="0" dirty="0" smtClean="0"/>
+              <a:t>wynosi 14 </a:t>
+            </a:r>
+            <a:r>
+              <a:rPr lang="pl-PL" baseline="0" dirty="0" smtClean="0"/>
+              <a:t>(zajmujemy </a:t>
+            </a:r>
+            <a:r>
+              <a:rPr lang="pl-PL" baseline="0" dirty="0" smtClean="0"/>
+              <a:t>dwa </a:t>
+            </a:r>
+            <a:r>
+              <a:rPr lang="pl-PL" baseline="0" dirty="0" smtClean="0"/>
+              <a:t>łuki z R2 do </a:t>
+            </a:r>
+            <a:r>
+              <a:rPr lang="pl-PL" baseline="0" dirty="0" smtClean="0"/>
+              <a:t>X, jeden łuk z R2 do Y, dwa łuki z R3 </a:t>
+            </a:r>
+            <a:r>
+              <a:rPr lang="pl-PL" baseline="0" dirty="0" smtClean="0"/>
+              <a:t>do </a:t>
+            </a:r>
+            <a:r>
+              <a:rPr lang="pl-PL" baseline="0" dirty="0" smtClean="0"/>
+              <a:t>Z oraz </a:t>
+            </a:r>
+            <a:r>
+              <a:rPr lang="pl-PL" baseline="0" smtClean="0"/>
+              <a:t>jeden łuk z R3 do X). </a:t>
+            </a:r>
+            <a:r>
+              <a:rPr lang="pl-PL" baseline="0" dirty="0" smtClean="0"/>
+              <a:t>Z kolei dla przepływu o wartości 8 najmniejszy koszt wynosi 16 (dwa łuki z R1 do X, jeden łuk z R2 do X, dwa łuki z R2 do Y, jeden łuk z R3 do Y, dwa łuki z R3 do Z). Przepływ o wartości 9 posiada najmniejszy koszt równy 27 (istnieje tylko jeden taki przepływ – trzy łuki z R1 do X, trzy łuki z R2 do Y, trzy łyki z R3 do Z).</a:t>
             </a:r>
           </a:p>
           <a:p>
@@ -747,6 +794,7 @@
           <a:p>
             <a:fld id="{143FC6F3-1A50-4618-A6F0-3D7E6C33A6A2}" type="slidenum">
               <a:rPr lang="en-GB" smtClean="0"/>
+              <a:pPr/>
               <a:t>2</a:t>
             </a:fld>
             <a:endParaRPr lang="en-GB"/>
@@ -831,6 +879,7 @@
           <a:p>
             <a:fld id="{143FC6F3-1A50-4618-A6F0-3D7E6C33A6A2}" type="slidenum">
               <a:rPr lang="en-GB" smtClean="0"/>
+              <a:pPr/>
               <a:t>3</a:t>
             </a:fld>
             <a:endParaRPr lang="en-GB"/>
@@ -1026,7 +1075,8 @@
           <a:p>
             <a:fld id="{0DE779BE-1448-493E-B1CE-CC5000B88091}" type="datetimeFigureOut">
               <a:rPr lang="en-GB" smtClean="0"/>
-              <a:t>07/11/2011</a:t>
+              <a:pPr/>
+              <a:t>08/11/2011</a:t>
             </a:fld>
             <a:endParaRPr lang="en-GB"/>
           </a:p>
@@ -1068,6 +1118,7 @@
           <a:p>
             <a:fld id="{13871BCD-796C-43DE-A721-E52ACC0DDEA0}" type="slidenum">
               <a:rPr lang="en-GB" smtClean="0"/>
+              <a:pPr/>
               <a:t>‹#›</a:t>
             </a:fld>
             <a:endParaRPr lang="en-GB"/>
@@ -1191,7 +1242,8 @@
           <a:p>
             <a:fld id="{0DE779BE-1448-493E-B1CE-CC5000B88091}" type="datetimeFigureOut">
               <a:rPr lang="en-GB" smtClean="0"/>
-              <a:t>07/11/2011</a:t>
+              <a:pPr/>
+              <a:t>08/11/2011</a:t>
             </a:fld>
             <a:endParaRPr lang="en-GB"/>
           </a:p>
@@ -1233,6 +1285,7 @@
           <a:p>
             <a:fld id="{13871BCD-796C-43DE-A721-E52ACC0DDEA0}" type="slidenum">
               <a:rPr lang="en-GB" smtClean="0"/>
+              <a:pPr/>
               <a:t>‹#›</a:t>
             </a:fld>
             <a:endParaRPr lang="en-GB"/>
@@ -1366,7 +1419,8 @@
           <a:p>
             <a:fld id="{0DE779BE-1448-493E-B1CE-CC5000B88091}" type="datetimeFigureOut">
               <a:rPr lang="en-GB" smtClean="0"/>
-              <a:t>07/11/2011</a:t>
+              <a:pPr/>
+              <a:t>08/11/2011</a:t>
             </a:fld>
             <a:endParaRPr lang="en-GB"/>
           </a:p>
@@ -1408,6 +1462,7 @@
           <a:p>
             <a:fld id="{13871BCD-796C-43DE-A721-E52ACC0DDEA0}" type="slidenum">
               <a:rPr lang="en-GB" smtClean="0"/>
+              <a:pPr/>
               <a:t>‹#›</a:t>
             </a:fld>
             <a:endParaRPr lang="en-GB"/>
@@ -1531,7 +1586,8 @@
           <a:p>
             <a:fld id="{0DE779BE-1448-493E-B1CE-CC5000B88091}" type="datetimeFigureOut">
               <a:rPr lang="en-GB" smtClean="0"/>
-              <a:t>07/11/2011</a:t>
+              <a:pPr/>
+              <a:t>08/11/2011</a:t>
             </a:fld>
             <a:endParaRPr lang="en-GB"/>
           </a:p>
@@ -1573,6 +1629,7 @@
           <a:p>
             <a:fld id="{13871BCD-796C-43DE-A721-E52ACC0DDEA0}" type="slidenum">
               <a:rPr lang="en-GB" smtClean="0"/>
+              <a:pPr/>
               <a:t>‹#›</a:t>
             </a:fld>
             <a:endParaRPr lang="en-GB"/>
@@ -1772,7 +1829,8 @@
           <a:p>
             <a:fld id="{0DE779BE-1448-493E-B1CE-CC5000B88091}" type="datetimeFigureOut">
               <a:rPr lang="en-GB" smtClean="0"/>
-              <a:t>07/11/2011</a:t>
+              <a:pPr/>
+              <a:t>08/11/2011</a:t>
             </a:fld>
             <a:endParaRPr lang="en-GB"/>
           </a:p>
@@ -1814,6 +1872,7 @@
           <a:p>
             <a:fld id="{13871BCD-796C-43DE-A721-E52ACC0DDEA0}" type="slidenum">
               <a:rPr lang="en-GB" smtClean="0"/>
+              <a:pPr/>
               <a:t>‹#›</a:t>
             </a:fld>
             <a:endParaRPr lang="en-GB"/>
@@ -2055,7 +2114,8 @@
           <a:p>
             <a:fld id="{0DE779BE-1448-493E-B1CE-CC5000B88091}" type="datetimeFigureOut">
               <a:rPr lang="en-GB" smtClean="0"/>
-              <a:t>07/11/2011</a:t>
+              <a:pPr/>
+              <a:t>08/11/2011</a:t>
             </a:fld>
             <a:endParaRPr lang="en-GB"/>
           </a:p>
@@ -2097,6 +2157,7 @@
           <a:p>
             <a:fld id="{13871BCD-796C-43DE-A721-E52ACC0DDEA0}" type="slidenum">
               <a:rPr lang="en-GB" smtClean="0"/>
+              <a:pPr/>
               <a:t>‹#›</a:t>
             </a:fld>
             <a:endParaRPr lang="en-GB"/>
@@ -2472,7 +2533,8 @@
           <a:p>
             <a:fld id="{0DE779BE-1448-493E-B1CE-CC5000B88091}" type="datetimeFigureOut">
               <a:rPr lang="en-GB" smtClean="0"/>
-              <a:t>07/11/2011</a:t>
+              <a:pPr/>
+              <a:t>08/11/2011</a:t>
             </a:fld>
             <a:endParaRPr lang="en-GB"/>
           </a:p>
@@ -2514,6 +2576,7 @@
           <a:p>
             <a:fld id="{13871BCD-796C-43DE-A721-E52ACC0DDEA0}" type="slidenum">
               <a:rPr lang="en-GB" smtClean="0"/>
+              <a:pPr/>
               <a:t>‹#›</a:t>
             </a:fld>
             <a:endParaRPr lang="en-GB"/>
@@ -2585,7 +2648,8 @@
           <a:p>
             <a:fld id="{0DE779BE-1448-493E-B1CE-CC5000B88091}" type="datetimeFigureOut">
               <a:rPr lang="en-GB" smtClean="0"/>
-              <a:t>07/11/2011</a:t>
+              <a:pPr/>
+              <a:t>08/11/2011</a:t>
             </a:fld>
             <a:endParaRPr lang="en-GB"/>
           </a:p>
@@ -2627,6 +2691,7 @@
           <a:p>
             <a:fld id="{13871BCD-796C-43DE-A721-E52ACC0DDEA0}" type="slidenum">
               <a:rPr lang="en-GB" smtClean="0"/>
+              <a:pPr/>
               <a:t>‹#›</a:t>
             </a:fld>
             <a:endParaRPr lang="en-GB"/>
@@ -2675,7 +2740,8 @@
           <a:p>
             <a:fld id="{0DE779BE-1448-493E-B1CE-CC5000B88091}" type="datetimeFigureOut">
               <a:rPr lang="en-GB" smtClean="0"/>
-              <a:t>07/11/2011</a:t>
+              <a:pPr/>
+              <a:t>08/11/2011</a:t>
             </a:fld>
             <a:endParaRPr lang="en-GB"/>
           </a:p>
@@ -2717,6 +2783,7 @@
           <a:p>
             <a:fld id="{13871BCD-796C-43DE-A721-E52ACC0DDEA0}" type="slidenum">
               <a:rPr lang="en-GB" smtClean="0"/>
+              <a:pPr/>
               <a:t>‹#›</a:t>
             </a:fld>
             <a:endParaRPr lang="en-GB"/>
@@ -2947,7 +3014,8 @@
           <a:p>
             <a:fld id="{0DE779BE-1448-493E-B1CE-CC5000B88091}" type="datetimeFigureOut">
               <a:rPr lang="en-GB" smtClean="0"/>
-              <a:t>07/11/2011</a:t>
+              <a:pPr/>
+              <a:t>08/11/2011</a:t>
             </a:fld>
             <a:endParaRPr lang="en-GB"/>
           </a:p>
@@ -2989,6 +3057,7 @@
           <a:p>
             <a:fld id="{13871BCD-796C-43DE-A721-E52ACC0DDEA0}" type="slidenum">
               <a:rPr lang="en-GB" smtClean="0"/>
+              <a:pPr/>
               <a:t>‹#›</a:t>
             </a:fld>
             <a:endParaRPr lang="en-GB"/>
@@ -3195,7 +3264,8 @@
           <a:p>
             <a:fld id="{0DE779BE-1448-493E-B1CE-CC5000B88091}" type="datetimeFigureOut">
               <a:rPr lang="en-GB" smtClean="0"/>
-              <a:t>07/11/2011</a:t>
+              <a:pPr/>
+              <a:t>08/11/2011</a:t>
             </a:fld>
             <a:endParaRPr lang="en-GB"/>
           </a:p>
@@ -3237,6 +3307,7 @@
           <a:p>
             <a:fld id="{13871BCD-796C-43DE-A721-E52ACC0DDEA0}" type="slidenum">
               <a:rPr lang="en-GB" smtClean="0"/>
+              <a:pPr/>
               <a:t>‹#›</a:t>
             </a:fld>
             <a:endParaRPr lang="en-GB"/>
@@ -3403,7 +3474,8 @@
           <a:p>
             <a:fld id="{0DE779BE-1448-493E-B1CE-CC5000B88091}" type="datetimeFigureOut">
               <a:rPr lang="en-GB" smtClean="0"/>
-              <a:t>07/11/2011</a:t>
+              <a:pPr/>
+              <a:t>08/11/2011</a:t>
             </a:fld>
             <a:endParaRPr lang="en-GB"/>
           </a:p>
@@ -3481,6 +3553,7 @@
           <a:p>
             <a:fld id="{13871BCD-796C-43DE-A721-E52ACC0DDEA0}" type="slidenum">
               <a:rPr lang="en-GB" smtClean="0"/>
+              <a:pPr/>
               <a:t>‹#›</a:t>
             </a:fld>
             <a:endParaRPr lang="en-GB"/>

--- a/EZI/Lab4/BalanceFlowProblem.pptx
+++ b/EZI/Lab4/BalanceFlowProblem.pptx
@@ -701,7 +701,15 @@
           <a:p>
             <a:r>
               <a:rPr lang="pl-PL" baseline="0" dirty="0" smtClean="0"/>
-              <a:t>Uzyskać takie przypisanie można poprzez zamianę przepływu z łuku R3 do Y na przepływ z łuku R3 do Z i prawdopodobnie wynikałoby to z algorytmu poszukującego największy przepływ o minimalnym koszcie. (jest to po prostu drugie optymalne rozwiązanie w tym wypadku)</a:t>
+              <a:t>Uzyskać takie przypisanie można poprzez zamianę przepływu z łuku R3 do Y na przepływ z łuku R3 do Z i prawdopodobnie wynikałoby to z algorytmu </a:t>
+            </a:r>
+            <a:r>
+              <a:rPr lang="pl-PL" baseline="0" dirty="0" smtClean="0"/>
+              <a:t>wyznaczającego największy </a:t>
+            </a:r>
+            <a:r>
+              <a:rPr lang="pl-PL" baseline="0" dirty="0" smtClean="0"/>
+              <a:t>przepływ o minimalnym koszcie. (jest to po prostu drugie optymalne rozwiązanie w tym wypadku)</a:t>
             </a:r>
           </a:p>
           <a:p>
@@ -719,60 +727,24 @@
           <a:p>
             <a:r>
               <a:rPr lang="pl-PL" baseline="0" dirty="0" smtClean="0"/>
-              <a:t>Ponadto jeśli ustalimy wartość przepływu na 6, </a:t>
-            </a:r>
+              <a:t>Ponadto jeśli ustalimy wartość przepływu na 6, to minimalny koszt dla którego sieć będzie nasycona (nie będzie można już puścić żadnej jednostki) wynosi 14 (zajmujemy dwa łuki z R2 do X, jeden łuk z R2 do Y, dwa łuki z R3 do Z oraz jeden łuk z R3 do X). Z kolei dla przepływu o wartości 8 najmniejszy koszt wynosi 16 (dwa łuki z R1 do X, jeden łuk z R2 do X, dwa łuki z R2 do Y, jeden łuk z R3 do Y, dwa łuki z R3 do Z). Przepływ o wartości 9 posiada najmniejszy koszt równy 27 (istnieje tylko jeden taki przepływ – trzy łuki z R1 do X, trzy łuki z R2 do Y, trzy łyki z R3 do Z).</a:t>
+            </a:r>
+          </a:p>
+          <a:p>
+            <a:endParaRPr lang="pl-PL" baseline="0" dirty="0" smtClean="0"/>
+          </a:p>
+          <a:p>
             <a:r>
               <a:rPr lang="pl-PL" baseline="0" dirty="0" smtClean="0"/>
-              <a:t>to minimalny koszt </a:t>
+              <a:t>Także jak widać odnalezione przez nas rozwiązanie dla przepływu o wartości 7 spełnia założenia metody BALANCE i jest optymalne dla tak zdefiniowanej sieci. Niestety powyższa metoda umożliwia odkrycie najmniejszej liczby zapytań z sekwencji, która „zarobi” w najgorszym </a:t>
             </a:r>
             <a:r>
               <a:rPr lang="pl-PL" baseline="0" dirty="0" smtClean="0"/>
-              <a:t>dla którego sieć będzie nasycona (nie będzie można już puścić żadnej jednostki) </a:t>
+              <a:t>przypadku i określa ich ilość i typ, </a:t>
             </a:r>
             <a:r>
               <a:rPr lang="pl-PL" baseline="0" dirty="0" smtClean="0"/>
-              <a:t>wynosi 14 </a:t>
-            </a:r>
-            <a:r>
-              <a:rPr lang="pl-PL" baseline="0" dirty="0" smtClean="0"/>
-              <a:t>(zajmujemy </a:t>
-            </a:r>
-            <a:r>
-              <a:rPr lang="pl-PL" baseline="0" dirty="0" smtClean="0"/>
-              <a:t>dwa </a:t>
-            </a:r>
-            <a:r>
-              <a:rPr lang="pl-PL" baseline="0" dirty="0" smtClean="0"/>
-              <a:t>łuki z R2 do </a:t>
-            </a:r>
-            <a:r>
-              <a:rPr lang="pl-PL" baseline="0" dirty="0" smtClean="0"/>
-              <a:t>X, jeden łuk z R2 do Y, dwa łuki z R3 </a:t>
-            </a:r>
-            <a:r>
-              <a:rPr lang="pl-PL" baseline="0" dirty="0" smtClean="0"/>
-              <a:t>do </a:t>
-            </a:r>
-            <a:r>
-              <a:rPr lang="pl-PL" baseline="0" dirty="0" smtClean="0"/>
-              <a:t>Z oraz </a:t>
-            </a:r>
-            <a:r>
-              <a:rPr lang="pl-PL" baseline="0" smtClean="0"/>
-              <a:t>jeden łuk z R3 do X). </a:t>
-            </a:r>
-            <a:r>
-              <a:rPr lang="pl-PL" baseline="0" dirty="0" smtClean="0"/>
-              <a:t>Z kolei dla przepływu o wartości 8 najmniejszy koszt wynosi 16 (dwa łuki z R1 do X, jeden łuk z R2 do X, dwa łuki z R2 do Y, jeden łuk z R3 do Y, dwa łuki z R3 do Z). Przepływ o wartości 9 posiada najmniejszy koszt równy 27 (istnieje tylko jeden taki przepływ – trzy łuki z R1 do X, trzy łuki z R2 do Y, trzy łyki z R3 do Z).</a:t>
-            </a:r>
-          </a:p>
-          <a:p>
-            <a:endParaRPr lang="pl-PL" baseline="0" dirty="0" smtClean="0"/>
-          </a:p>
-          <a:p>
-            <a:r>
-              <a:rPr lang="pl-PL" baseline="0" dirty="0" smtClean="0"/>
-              <a:t>Także jak widać odnalezione przez nas rozwiązanie dla przepływu o wartości 7 spełnia założenia metody BALANCE i jest optymalne dla tak zdefiniowanej sieci. Niestety powyższa metoda umożliwia odkrycie najmniejszej liczby zapytań z sekwencji, która „zarobi” w najgorszym przypadku, ale NIE PODAJE jak ta sekwencja powinna wyglądać!</a:t>
+              <a:t>ale NIE PODAJE jak ta sekwencja powinna wyglądać!</a:t>
             </a:r>
           </a:p>
         </p:txBody>

--- a/EZI/Lab4/BalanceFlowProblem.pptx
+++ b/EZI/Lab4/BalanceFlowProblem.pptx
@@ -508,12 +508,12 @@
           <a:lstStyle/>
           <a:p>
             <a:r>
-              <a:rPr lang="pl-PL" dirty="0" smtClean="0"/>
-              <a:t>Poszukujemy</a:t>
-            </a:r>
-            <a:r>
               <a:rPr lang="pl-PL" baseline="0" dirty="0" smtClean="0"/>
-              <a:t> maksymalnego przepływu o minimalnym koszcie. Jak widać wagi na łukach zostały tak dobrane, żeby odzwierciedlać zasadę działania algorytmu BALANCE, tj. do danego wierzchołka reprezentującego zapytania (po prawej stronie – „X”, „Y” i „Z”) każdy kolejny łuk wychodzący od danego reklamodawcy ma wartość a + (n-1) * M, gdzie „a” to pozycja reklamodawcy wg kolejności występowania, ale z uwzględnieniem tylko tych reklamodawców, którzy obstawiają dane zapytanie (tu a={1,2,3}), „n” to numer łuku wychodzącego z danego wierzchołka i prowadzący do danego reklamodawcy (tutaj n={1,2,…,b}, gdzie „b” to liczba jednostek budżetu danego reklamodawcy, tu zawsze 3 – czyli zawsze są 3 łuki między daną parą reklamodawca/zapytanie lub 0, jeśli dany reklamodawca nie obstawia zapytania), a M to liczba reklamodawców obstawiających dane zapytanie. Zachowuje to zasadę „ruletki” w przyznawaniu danego zapytania kolejnym reklamodawcom.</a:t>
+              <a:t>Jak </a:t>
+            </a:r>
+            <a:r>
+              <a:rPr lang="pl-PL" baseline="0" dirty="0" smtClean="0"/>
+              <a:t>widać wagi na łukach zostały tak dobrane, żeby odzwierciedlać zasadę działania algorytmu BALANCE, tj. do danego wierzchołka reprezentującego zapytania (po prawej stronie – „X”, „Y” i „Z”) każdy kolejny łuk wychodzący od danego reklamodawcy ma wartość a + (n-1) * M, gdzie „a” to pozycja reklamodawcy wg kolejności występowania, ale z uwzględnieniem tylko tych reklamodawców, którzy obstawiają dane zapytanie (tu a={1,2,3}), „n” to numer łuku wychodzącego z danego wierzchołka i prowadzący do danego reklamodawcy (tutaj n={1,2,…,b}, gdzie „b” to liczba jednostek budżetu danego reklamodawcy, tu zawsze 3 – czyli zawsze są 3 łuki między daną parą reklamodawca/zapytanie lub 0, jeśli dany reklamodawca nie obstawia zapytania), a M to liczba reklamodawców obstawiających dane zapytanie. Zachowuje to zasadę „ruletki” w przyznawaniu danego zapytania kolejnym reklamodawcom.</a:t>
             </a:r>
           </a:p>
           <a:p>
@@ -701,15 +701,7 @@
           <a:p>
             <a:r>
               <a:rPr lang="pl-PL" baseline="0" dirty="0" smtClean="0"/>
-              <a:t>Uzyskać takie przypisanie można poprzez zamianę przepływu z łuku R3 do Y na przepływ z łuku R3 do Z i prawdopodobnie wynikałoby to z algorytmu </a:t>
-            </a:r>
-            <a:r>
-              <a:rPr lang="pl-PL" baseline="0" dirty="0" smtClean="0"/>
-              <a:t>wyznaczającego największy </a:t>
-            </a:r>
-            <a:r>
-              <a:rPr lang="pl-PL" baseline="0" dirty="0" smtClean="0"/>
-              <a:t>przepływ o minimalnym koszcie. (jest to po prostu drugie optymalne rozwiązanie w tym wypadku)</a:t>
+              <a:t>Uzyskać takie przypisanie można poprzez zamianę przepływu z łuku R3 do Y na przepływ z łuku R3 do Z i prawdopodobnie wynikałoby to z algorytmu wyznaczającego największy przepływ o minimalnym koszcie. (jest to po prostu drugie optymalne rozwiązanie w tym wypadku)</a:t>
             </a:r>
           </a:p>
           <a:p>
@@ -736,15 +728,7 @@
           <a:p>
             <a:r>
               <a:rPr lang="pl-PL" baseline="0" dirty="0" smtClean="0"/>
-              <a:t>Także jak widać odnalezione przez nas rozwiązanie dla przepływu o wartości 7 spełnia założenia metody BALANCE i jest optymalne dla tak zdefiniowanej sieci. Niestety powyższa metoda umożliwia odkrycie najmniejszej liczby zapytań z sekwencji, która „zarobi” w najgorszym </a:t>
-            </a:r>
-            <a:r>
-              <a:rPr lang="pl-PL" baseline="0" dirty="0" smtClean="0"/>
-              <a:t>przypadku i określa ich ilość i typ, </a:t>
-            </a:r>
-            <a:r>
-              <a:rPr lang="pl-PL" baseline="0" dirty="0" smtClean="0"/>
-              <a:t>ale NIE PODAJE jak ta sekwencja powinna wyglądać!</a:t>
+              <a:t>Także jak widać odnalezione przez nas rozwiązanie dla przepływu o wartości 7 spełnia założenia metody BALANCE i jest optymalne dla tak zdefiniowanej sieci. Niestety powyższa metoda umożliwia odkrycie najmniejszej liczby zapytań z sekwencji, która „zarobi” w najgorszym przypadku i określa ich ilość i typ, ale NIE PODAJE jak ta sekwencja powinna wyglądać!</a:t>
             </a:r>
           </a:p>
         </p:txBody>

--- a/EZI/Lab4/BalanceFlowProblem.pptx
+++ b/EZI/Lab4/BalanceFlowProblem.pptx
@@ -509,11 +509,7 @@
           <a:p>
             <a:r>
               <a:rPr lang="pl-PL" baseline="0" dirty="0" smtClean="0"/>
-              <a:t>Jak </a:t>
-            </a:r>
-            <a:r>
-              <a:rPr lang="pl-PL" baseline="0" dirty="0" smtClean="0"/>
-              <a:t>widać wagi na łukach zostały tak dobrane, żeby odzwierciedlać zasadę działania algorytmu BALANCE, tj. do danego wierzchołka reprezentującego zapytania (po prawej stronie – „X”, „Y” i „Z”) każdy kolejny łuk wychodzący od danego reklamodawcy ma wartość a + (n-1) * M, gdzie „a” to pozycja reklamodawcy wg kolejności występowania, ale z uwzględnieniem tylko tych reklamodawców, którzy obstawiają dane zapytanie (tu a={1,2,3}), „n” to numer łuku wychodzącego z danego wierzchołka i prowadzący do danego reklamodawcy (tutaj n={1,2,…,b}, gdzie „b” to liczba jednostek budżetu danego reklamodawcy, tu zawsze 3 – czyli zawsze są 3 łuki między daną parą reklamodawca/zapytanie lub 0, jeśli dany reklamodawca nie obstawia zapytania), a M to liczba reklamodawców obstawiających dane zapytanie. Zachowuje to zasadę „ruletki” w przyznawaniu danego zapytania kolejnym reklamodawcom.</a:t>
+              <a:t>Jak widać wagi na łukach zostały tak dobrane, żeby odzwierciedlać zasadę działania algorytmu BALANCE, tj. do danego wierzchołka reprezentującego zapytania (po prawej stronie – „X”, „Y” i „Z”) każdy kolejny łuk wychodzący od danego reklamodawcy ma wartość a + (n-1) * M, gdzie „a” to pozycja reklamodawcy wg kolejności występowania, ale z uwzględnieniem tylko tych reklamodawców, którzy obstawiają dane zapytanie (tu a={1,2,3}), „n” to numer łuku wychodzącego z danego wierzchołka i prowadzący do danego reklamodawcy (tutaj n={1,2,…,b}, gdzie „b” to liczba jednostek budżetu danego reklamodawcy, tu zawsze 3 – czyli zawsze są 3 łuki między daną parą reklamodawca/zapytanie lub 0, jeśli dany reklamodawca nie obstawia zapytania), a M to liczba reklamodawców obstawiających dane zapytanie. Zachowuje to zasadę „ruletki” w przyznawaniu danego zapytania kolejnym reklamodawcom.</a:t>
             </a:r>
           </a:p>
           <a:p>
@@ -813,8 +809,43 @@
           <a:p>
             <a:r>
               <a:rPr lang="pl-PL" baseline="0" dirty="0" smtClean="0"/>
-              <a:t>Rozwiązanie uzyskane z przepływu w sieciach – istniejące łuki pokazują, którzy reklamodawcy zapłacą za które hasła.</a:t>
-            </a:r>
+              <a:t>Rozwiązanie uzyskane z przepływu w </a:t>
+            </a:r>
+            <a:r>
+              <a:rPr lang="pl-PL" baseline="0" dirty="0" smtClean="0"/>
+              <a:t>sieci </a:t>
+            </a:r>
+            <a:r>
+              <a:rPr lang="pl-PL" baseline="0" dirty="0" smtClean="0"/>
+              <a:t>– istniejące łuki pokazują, którzy reklamodawcy zapłacą za które hasła</a:t>
+            </a:r>
+            <a:r>
+              <a:rPr lang="pl-PL" baseline="0" dirty="0" smtClean="0"/>
+              <a:t>.</a:t>
+            </a:r>
+          </a:p>
+          <a:p>
+            <a:endParaRPr lang="pl-PL" baseline="0" dirty="0" smtClean="0"/>
+          </a:p>
+          <a:p>
+            <a:r>
+              <a:rPr lang="pl-PL" baseline="0" dirty="0" smtClean="0"/>
+              <a:t>Niestety kłopotem jest sformułowanie „co to jest za problem”. Funkcją celu jest znalezienie takiej wartości przepływu, który przy pełnym nasyceniu sieci posiada minimalny koszt. Przez pełne nasycenie sieci rozumiemy tutaj taką sytuację, że nie można utworzyć żadnej nowej ścieżki powiększającej przepływ, która  nie powodowałaby „cofania” się po łukach. A zatem dla analizowanego przykładu nie ma sensu rozważać przepływów o wartości 5 jednostek lub mniej, ponieważ nie spełnią one tej reguły. Fakt nasycenia sieci jest o tyle istotny, że uniemożliwia powstanie rozwiązania, w którym w tym wypadku zapytanie X nie zostanie zajęte przez 3 reklamodawców. Jednak co ważne sposób doboru wag dla łuków jest tak przewidziany, że dla przepływu o wartości 6 (blokujemy reklamodawcę R1) uzyskujemy wyższy koszt niż dla przepływu o wartości 7 jednostek mimo mniejszej wartości tego przepływu – wykorzystane są bowiem droższe łuki, które to kompensują.</a:t>
+            </a:r>
+          </a:p>
+          <a:p>
+            <a:endParaRPr lang="pl-PL" baseline="0" dirty="0" smtClean="0"/>
+          </a:p>
+          <a:p>
+            <a:r>
+              <a:rPr lang="pl-PL" baseline="0" dirty="0" smtClean="0"/>
+              <a:t>Podana metoda nie jest w 100% sprawdzona, ale wydaje </a:t>
+            </a:r>
+            <a:r>
+              <a:rPr lang="pl-PL" baseline="0" smtClean="0"/>
+              <a:t>się działać poprawnie.</a:t>
+            </a:r>
+            <a:endParaRPr lang="pl-PL" baseline="0" dirty="0" smtClean="0"/>
           </a:p>
         </p:txBody>
       </p:sp>
